--- a/README/Презинтация.pptx
+++ b/README/Презинтация.pptx
@@ -5,7 +5,7 @@
     <p:sldMasterId id="2147483660" r:id="rId1"/>
   </p:sldMasterIdLst>
   <p:notesMasterIdLst>
-    <p:notesMasterId r:id="rId13"/>
+    <p:notesMasterId r:id="rId12"/>
   </p:notesMasterIdLst>
   <p:sldIdLst>
     <p:sldId id="256" r:id="rId2"/>
@@ -18,7 +18,6 @@
     <p:sldId id="264" r:id="rId9"/>
     <p:sldId id="265" r:id="rId10"/>
     <p:sldId id="267" r:id="rId11"/>
-    <p:sldId id="266" r:id="rId12"/>
   </p:sldIdLst>
   <p:sldSz cx="9144000" cy="6858000" type="screen4x3"/>
   <p:notesSz cx="6858000" cy="9144000"/>
@@ -202,7 +201,7 @@
           <a:p>
             <a:fld id="{097ECA08-8CC2-41CF-A9D0-F2CEC7BEE2A6}" type="datetimeFigureOut">
               <a:rPr lang="ru-RU" smtClean="0"/>
-              <a:t>05.01.2022</a:t>
+              <a:t>08.01.2022</a:t>
             </a:fld>
             <a:endParaRPr lang="ru-RU"/>
           </a:p>
@@ -860,7 +859,7 @@
           <a:p>
             <a:fld id="{B4C71EC6-210F-42DE-9C53-41977AD35B3D}" type="datetimeFigureOut">
               <a:rPr lang="ru-RU" smtClean="0"/>
-              <a:t>05.01.2022</a:t>
+              <a:t>08.01.2022</a:t>
             </a:fld>
             <a:endParaRPr lang="ru-RU"/>
           </a:p>
@@ -1045,7 +1044,7 @@
           <a:p>
             <a:fld id="{B4C71EC6-210F-42DE-9C53-41977AD35B3D}" type="datetimeFigureOut">
               <a:rPr lang="ru-RU" smtClean="0"/>
-              <a:t>05.01.2022</a:t>
+              <a:t>08.01.2022</a:t>
             </a:fld>
             <a:endParaRPr lang="ru-RU"/>
           </a:p>
@@ -1230,7 +1229,7 @@
           <a:p>
             <a:fld id="{B4C71EC6-210F-42DE-9C53-41977AD35B3D}" type="datetimeFigureOut">
               <a:rPr lang="ru-RU" smtClean="0"/>
-              <a:t>05.01.2022</a:t>
+              <a:t>08.01.2022</a:t>
             </a:fld>
             <a:endParaRPr lang="ru-RU"/>
           </a:p>
@@ -1415,7 +1414,7 @@
           <a:p>
             <a:fld id="{B4C71EC6-210F-42DE-9C53-41977AD35B3D}" type="datetimeFigureOut">
               <a:rPr lang="ru-RU" smtClean="0"/>
-              <a:t>05.01.2022</a:t>
+              <a:t>08.01.2022</a:t>
             </a:fld>
             <a:endParaRPr lang="ru-RU"/>
           </a:p>
@@ -1796,7 +1795,7 @@
           <a:p>
             <a:fld id="{B4C71EC6-210F-42DE-9C53-41977AD35B3D}" type="datetimeFigureOut">
               <a:rPr lang="ru-RU" smtClean="0"/>
-              <a:t>05.01.2022</a:t>
+              <a:t>08.01.2022</a:t>
             </a:fld>
             <a:endParaRPr lang="ru-RU"/>
           </a:p>
@@ -2065,7 +2064,7 @@
           <a:p>
             <a:fld id="{B4C71EC6-210F-42DE-9C53-41977AD35B3D}" type="datetimeFigureOut">
               <a:rPr lang="ru-RU" smtClean="0"/>
-              <a:t>05.01.2022</a:t>
+              <a:t>08.01.2022</a:t>
             </a:fld>
             <a:endParaRPr lang="ru-RU"/>
           </a:p>
@@ -2450,7 +2449,7 @@
           <a:p>
             <a:fld id="{B4C71EC6-210F-42DE-9C53-41977AD35B3D}" type="datetimeFigureOut">
               <a:rPr lang="ru-RU" smtClean="0"/>
-              <a:t>05.01.2022</a:t>
+              <a:t>08.01.2022</a:t>
             </a:fld>
             <a:endParaRPr lang="ru-RU"/>
           </a:p>
@@ -2571,7 +2570,7 @@
           <a:p>
             <a:fld id="{B4C71EC6-210F-42DE-9C53-41977AD35B3D}" type="datetimeFigureOut">
               <a:rPr lang="ru-RU" smtClean="0"/>
-              <a:t>05.01.2022</a:t>
+              <a:t>08.01.2022</a:t>
             </a:fld>
             <a:endParaRPr lang="ru-RU"/>
           </a:p>
@@ -2751,7 +2750,7 @@
           <a:p>
             <a:fld id="{B4C71EC6-210F-42DE-9C53-41977AD35B3D}" type="datetimeFigureOut">
               <a:rPr lang="ru-RU" smtClean="0"/>
-              <a:t>05.01.2022</a:t>
+              <a:t>08.01.2022</a:t>
             </a:fld>
             <a:endParaRPr lang="ru-RU"/>
           </a:p>
@@ -3085,7 +3084,7 @@
           <a:p>
             <a:fld id="{B4C71EC6-210F-42DE-9C53-41977AD35B3D}" type="datetimeFigureOut">
               <a:rPr lang="ru-RU" smtClean="0"/>
-              <a:t>05.01.2022</a:t>
+              <a:t>08.01.2022</a:t>
             </a:fld>
             <a:endParaRPr lang="ru-RU"/>
           </a:p>
@@ -3454,7 +3453,7 @@
           <a:p>
             <a:fld id="{B4C71EC6-210F-42DE-9C53-41977AD35B3D}" type="datetimeFigureOut">
               <a:rPr lang="ru-RU" smtClean="0"/>
-              <a:t>05.01.2022</a:t>
+              <a:t>08.01.2022</a:t>
             </a:fld>
             <a:endParaRPr lang="ru-RU"/>
           </a:p>
@@ -3872,7 +3871,7 @@
           <a:p>
             <a:fld id="{B4C71EC6-210F-42DE-9C53-41977AD35B3D}" type="datetimeFigureOut">
               <a:rPr lang="ru-RU" smtClean="0"/>
-              <a:t>05.01.2022</a:t>
+              <a:t>08.01.2022</a:t>
             </a:fld>
             <a:endParaRPr lang="ru-RU"/>
           </a:p>
@@ -4660,15 +4659,7 @@
             </a:r>
             <a:r>
               <a:rPr lang="ru-RU" sz="2400" dirty="0" smtClean="0"/>
-              <a:t>     </a:t>
-            </a:r>
-            <a:r>
-              <a:rPr lang="ru-RU" sz="2400" dirty="0" smtClean="0"/>
-              <a:t>Работа </a:t>
-            </a:r>
-            <a:r>
-              <a:rPr lang="ru-RU" sz="2400" dirty="0" smtClean="0"/>
-              <a:t>с сохранением / загрузкой покупок:</a:t>
+              <a:t>     Работа с сохранением / загрузкой покупок:</a:t>
             </a:r>
             <a:r>
               <a:rPr lang="ru-RU" dirty="0" smtClean="0"/>
@@ -5344,90 +5335,6 @@
     <p:extLst>
       <p:ext uri="{BB962C8B-B14F-4D97-AF65-F5344CB8AC3E}">
         <p14:creationId xmlns:p14="http://schemas.microsoft.com/office/powerpoint/2010/main" val="2371153117"/>
-      </p:ext>
-    </p:extLst>
-  </p:cSld>
-  <p:clrMapOvr>
-    <a:masterClrMapping/>
-  </p:clrMapOvr>
-</p:sld>
-</file>
-
-<file path=ppt/slides/slide11.xml><?xml version="1.0" encoding="utf-8"?>
-<p:sld xmlns:a="http://schemas.openxmlformats.org/drawingml/2006/main" xmlns:r="http://schemas.openxmlformats.org/officeDocument/2006/relationships" xmlns:p="http://schemas.openxmlformats.org/presentationml/2006/main">
-  <p:cSld>
-    <p:spTree>
-      <p:nvGrpSpPr>
-        <p:cNvPr id="1" name=""/>
-        <p:cNvGrpSpPr/>
-        <p:nvPr/>
-      </p:nvGrpSpPr>
-      <p:grpSpPr>
-        <a:xfrm>
-          <a:off x="0" y="0"/>
-          <a:ext cx="0" cy="0"/>
-          <a:chOff x="0" y="0"/>
-          <a:chExt cx="0" cy="0"/>
-        </a:xfrm>
-      </p:grpSpPr>
-      <p:sp>
-        <p:nvSpPr>
-          <p:cNvPr id="2" name="Заголовок 1"/>
-          <p:cNvSpPr>
-            <a:spLocks noGrp="1"/>
-          </p:cNvSpPr>
-          <p:nvPr>
-            <p:ph type="title"/>
-          </p:nvPr>
-        </p:nvSpPr>
-        <p:spPr/>
-        <p:txBody>
-          <a:bodyPr/>
-          <a:lstStyle/>
-          <a:p>
-            <a:r>
-              <a:rPr lang="ru-RU" dirty="0" smtClean="0"/>
-              <a:t>Выводы о работе</a:t>
-            </a:r>
-            <a:endParaRPr lang="ru-RU" dirty="0"/>
-          </a:p>
-        </p:txBody>
-      </p:sp>
-      <p:sp>
-        <p:nvSpPr>
-          <p:cNvPr id="3" name="Объект 2"/>
-          <p:cNvSpPr>
-            <a:spLocks noGrp="1"/>
-          </p:cNvSpPr>
-          <p:nvPr>
-            <p:ph idx="1"/>
-          </p:nvPr>
-        </p:nvSpPr>
-        <p:spPr/>
-        <p:txBody>
-          <a:bodyPr/>
-          <a:lstStyle/>
-          <a:p>
-            <a:r>
-              <a:rPr lang="ru-RU" dirty="0" smtClean="0"/>
-              <a:t>Чего я добился, что мне </a:t>
-            </a:r>
-            <a:r>
-              <a:rPr lang="ru-RU" dirty="0" err="1" smtClean="0"/>
-              <a:t>понрав</a:t>
-            </a:r>
-            <a:r>
-              <a:rPr lang="ru-RU" dirty="0" smtClean="0"/>
-              <a:t>, что я из этого вывел</a:t>
-            </a:r>
-            <a:endParaRPr lang="ru-RU" dirty="0"/>
-          </a:p>
-        </p:txBody>
-      </p:sp>
-    </p:spTree>
-    <p:extLst>
-      <p:ext uri="{BB962C8B-B14F-4D97-AF65-F5344CB8AC3E}">
-        <p14:creationId xmlns:p14="http://schemas.microsoft.com/office/powerpoint/2010/main" val="762705465"/>
       </p:ext>
     </p:extLst>
   </p:cSld>
@@ -5827,7 +5734,6 @@
               <a:rPr lang="ru-RU" sz="2000" dirty="0" smtClean="0"/>
               <a:t>Удалить:</a:t>
             </a:r>
-            <a:endParaRPr lang="ru-RU" sz="2000" dirty="0" smtClean="0"/>
           </a:p>
           <a:p>
             <a:pPr marL="0" indent="0">
@@ -5866,11 +5772,7 @@
           <a:p>
             <a:r>
               <a:rPr lang="ru-RU" sz="2000" dirty="0" smtClean="0"/>
-              <a:t>Сохранить</a:t>
-            </a:r>
-            <a:r>
-              <a:rPr lang="ru-RU" sz="2000" dirty="0" smtClean="0"/>
-              <a:t>:</a:t>
+              <a:t>Сохранить:</a:t>
             </a:r>
           </a:p>
           <a:p>
@@ -6361,10 +6263,6 @@
               <a:rPr lang="ru-RU" dirty="0" smtClean="0"/>
               <a:t>:</a:t>
             </a:r>
-            <a:r>
-              <a:rPr lang="ru-RU" dirty="0" smtClean="0"/>
-              <a:t/>
-            </a:r>
             <a:br>
               <a:rPr lang="ru-RU" dirty="0" smtClean="0"/>
             </a:br>
@@ -6612,11 +6510,6 @@
               </a:rPr>
               <a:t>Создана для того чтобы покупка обновлялась после изменений и всё было видно.</a:t>
             </a:r>
-            <a:endParaRPr lang="ru-RU" sz="2000" dirty="0" smtClean="0">
-              <a:solidFill>
-                <a:schemeClr val="tx2"/>
-              </a:solidFill>
-            </a:endParaRPr>
           </a:p>
         </p:txBody>
       </p:sp>
@@ -7049,10 +6942,6 @@
               <a:rPr lang="ru-RU" dirty="0" smtClean="0"/>
               <a:t>:</a:t>
             </a:r>
-            <a:r>
-              <a:rPr lang="ru-RU" dirty="0" smtClean="0"/>
-              <a:t/>
-            </a:r>
             <a:br>
               <a:rPr lang="ru-RU" dirty="0" smtClean="0"/>
             </a:br>
@@ -7284,11 +7173,7 @@
             </a:pPr>
             <a:r>
               <a:rPr lang="ru-RU" sz="2400" dirty="0" smtClean="0"/>
-              <a:t>Описание</a:t>
-            </a:r>
-            <a:r>
-              <a:rPr lang="ru-RU" sz="2400" dirty="0" smtClean="0"/>
-              <a:t>:</a:t>
+              <a:t>Описание:</a:t>
             </a:r>
             <a:br>
               <a:rPr lang="ru-RU" sz="2400" dirty="0" smtClean="0"/>
@@ -7888,10 +7773,6 @@
               <a:rPr lang="ru-RU" dirty="0" smtClean="0"/>
               <a:t>:</a:t>
             </a:r>
-            <a:r>
-              <a:rPr lang="ru-RU" dirty="0" smtClean="0"/>
-              <a:t/>
-            </a:r>
             <a:br>
               <a:rPr lang="ru-RU" dirty="0" smtClean="0"/>
             </a:br>
@@ -8172,11 +8053,7 @@
             </a:pPr>
             <a:r>
               <a:rPr lang="ru-RU" sz="2400" dirty="0" smtClean="0"/>
-              <a:t>Описание</a:t>
-            </a:r>
-            <a:r>
-              <a:rPr lang="ru-RU" sz="2400" dirty="0" smtClean="0"/>
-              <a:t>:</a:t>
+              <a:t>Описание:</a:t>
             </a:r>
             <a:br>
               <a:rPr lang="ru-RU" sz="2400" dirty="0" smtClean="0"/>
@@ -8720,10 +8597,6 @@
               <a:rPr lang="ru-RU" dirty="0" smtClean="0"/>
               <a:t>:</a:t>
             </a:r>
-            <a:r>
-              <a:rPr lang="ru-RU" dirty="0" smtClean="0"/>
-              <a:t/>
-            </a:r>
             <a:br>
               <a:rPr lang="ru-RU" dirty="0" smtClean="0"/>
             </a:br>
@@ -8951,11 +8824,7 @@
           <a:p>
             <a:r>
               <a:rPr lang="ru-RU" sz="2400" dirty="0" smtClean="0"/>
-              <a:t>Текст описание</a:t>
-            </a:r>
-            <a:r>
-              <a:rPr lang="ru-RU" sz="2400" dirty="0" smtClean="0"/>
-              <a:t>:</a:t>
+              <a:t>Текст описание:</a:t>
             </a:r>
             <a:r>
               <a:rPr lang="ru-RU" dirty="0" smtClean="0"/>
@@ -9204,11 +9073,7 @@
             </a:pPr>
             <a:r>
               <a:rPr lang="ru-RU" dirty="0" smtClean="0"/>
-              <a:t>Работа с вводом</a:t>
-            </a:r>
-            <a:r>
-              <a:rPr lang="ru-RU" dirty="0" smtClean="0"/>
-              <a:t>:</a:t>
+              <a:t>Работа с вводом:</a:t>
             </a:r>
           </a:p>
           <a:p>
@@ -9384,8 +9249,13 @@
             <a:avLst/>
           </a:prstGeom>
           <a:noFill/>
-          <a:ln>
-            <a:noFill/>
+          <a:ln w="9525">
+            <a:solidFill>
+              <a:schemeClr val="tx1"/>
+            </a:solidFill>
+            <a:miter lim="800000"/>
+            <a:headEnd/>
+            <a:tailEnd/>
           </a:ln>
           <a:extLst>
             <a:ext uri="{909E8E84-426E-40DD-AFC4-6F175D3DCCD1}">
@@ -9394,16 +9264,6 @@
                   <a:schemeClr val="accent1"/>
                 </a:solidFill>
               </a14:hiddenFill>
-            </a:ext>
-            <a:ext uri="{91240B29-F687-4F45-9708-019B960494DF}">
-              <a14:hiddenLine xmlns:a14="http://schemas.microsoft.com/office/drawing/2010/main" w="9525">
-                <a:solidFill>
-                  <a:schemeClr val="tx1"/>
-                </a:solidFill>
-                <a:miter lim="800000"/>
-                <a:headEnd/>
-                <a:tailEnd/>
-              </a14:hiddenLine>
             </a:ext>
           </a:extLst>
         </p:spPr>
@@ -9505,44 +9365,16 @@
               <a:t>Работа с </a:t>
             </a:r>
             <a:r>
-              <a:rPr lang="ru-RU" dirty="0" err="1" smtClean="0"/>
-              <a:t>продовцами</a:t>
-            </a:r>
-            <a:r>
               <a:rPr lang="ru-RU" dirty="0" smtClean="0"/>
-              <a:t>:</a:t>
+              <a:t>продавцами:</a:t>
+            </a:r>
+            <a:r>
+              <a:rPr lang="ru-RU" dirty="0" smtClean="0"/>
+              <a:t/>
             </a:r>
             <a:br>
               <a:rPr lang="ru-RU" dirty="0" smtClean="0"/>
             </a:br>
-            <a:endParaRPr lang="ru-RU" dirty="0"/>
-          </a:p>
-        </p:txBody>
-      </p:sp>
-      <p:sp>
-        <p:nvSpPr>
-          <p:cNvPr id="3" name="Объект 2"/>
-          <p:cNvSpPr>
-            <a:spLocks noGrp="1"/>
-          </p:cNvSpPr>
-          <p:nvPr>
-            <p:ph idx="1"/>
-          </p:nvPr>
-        </p:nvSpPr>
-        <p:spPr>
-          <a:xfrm>
-            <a:off x="502920" y="530352"/>
-            <a:ext cx="4501128" cy="1170456"/>
-          </a:xfrm>
-        </p:spPr>
-        <p:txBody>
-          <a:bodyPr/>
-          <a:lstStyle/>
-          <a:p>
-            <a:r>
-              <a:rPr lang="ru-RU" dirty="0" smtClean="0"/>
-              <a:t>Картинка</a:t>
-            </a:r>
             <a:endParaRPr lang="ru-RU" dirty="0"/>
           </a:p>
         </p:txBody>
@@ -9557,8 +9389,8 @@
         </p:nvSpPr>
         <p:spPr>
           <a:xfrm>
-            <a:off x="539552" y="1988840"/>
-            <a:ext cx="4464496" cy="2880320"/>
+            <a:off x="539552" y="3541612"/>
+            <a:ext cx="4464496" cy="1327547"/>
           </a:xfrm>
           <a:prstGeom prst="rect">
             <a:avLst/>
@@ -9566,7 +9398,7 @@
         </p:spPr>
         <p:txBody>
           <a:bodyPr vert="horz" lIns="182880" tIns="91440">
-            <a:normAutofit/>
+            <a:normAutofit fontScale="92500"/>
           </a:bodyPr>
           <a:lstStyle>
             <a:lvl1pPr marL="265176" indent="-265176" algn="l" rtl="0" eaLnBrk="1" latinLnBrk="0" hangingPunct="1">
@@ -9766,10 +9598,68 @@
           </a:lstStyle>
           <a:p>
             <a:r>
-              <a:rPr lang="ru-RU" dirty="0" smtClean="0"/>
-              <a:t>Текст описание:</a:t>
-            </a:r>
-            <a:endParaRPr lang="ru-RU" dirty="0"/>
+              <a:rPr lang="ru-RU" sz="2000" dirty="0" smtClean="0"/>
+              <a:t>Текст описание</a:t>
+            </a:r>
+            <a:r>
+              <a:rPr lang="ru-RU" sz="2000" dirty="0" smtClean="0"/>
+              <a:t>:</a:t>
+            </a:r>
+            <a:br>
+              <a:rPr lang="ru-RU" sz="2000" dirty="0" smtClean="0"/>
+            </a:br>
+            <a:r>
+              <a:rPr lang="ru-RU" sz="2000" dirty="0">
+                <a:solidFill>
+                  <a:schemeClr val="tx2">
+                    <a:lumMod val="90000"/>
+                    <a:lumOff val="10000"/>
+                  </a:schemeClr>
+                </a:solidFill>
+              </a:rPr>
+              <a:t>При нажатие </a:t>
+            </a:r>
+            <a:r>
+              <a:rPr lang="en-US" sz="2000" dirty="0">
+                <a:solidFill>
+                  <a:schemeClr val="tx2">
+                    <a:lumMod val="90000"/>
+                    <a:lumOff val="10000"/>
+                  </a:schemeClr>
+                </a:solidFill>
+              </a:rPr>
+              <a:t>“…”</a:t>
+            </a:r>
+            <a:r>
+              <a:rPr lang="kk-KZ" sz="2000" dirty="0">
+                <a:solidFill>
+                  <a:schemeClr val="tx2">
+                    <a:lumMod val="90000"/>
+                    <a:lumOff val="10000"/>
+                  </a:schemeClr>
+                </a:solidFill>
+              </a:rPr>
+              <a:t> в программе появляется окно с работой базой данных </a:t>
+            </a:r>
+            <a:r>
+              <a:rPr lang="kk-KZ" sz="2000" dirty="0" smtClean="0">
+                <a:solidFill>
+                  <a:schemeClr val="tx2">
+                    <a:lumMod val="90000"/>
+                    <a:lumOff val="10000"/>
+                  </a:schemeClr>
+                </a:solidFill>
+              </a:rPr>
+              <a:t>Продавцов</a:t>
+            </a:r>
+            <a:endParaRPr lang="ru-RU" sz="2000" dirty="0">
+              <a:solidFill>
+                <a:schemeClr val="tx2">
+                  <a:lumMod val="90000"/>
+                  <a:lumOff val="10000"/>
+                </a:schemeClr>
+              </a:solidFill>
+            </a:endParaRPr>
           </a:p>
         </p:txBody>
       </p:sp>
@@ -9784,7 +9674,7 @@
         <p:spPr>
           <a:xfrm>
             <a:off x="5004048" y="476672"/>
-            <a:ext cx="3744416" cy="4608512"/>
+            <a:ext cx="3744416" cy="4464496"/>
           </a:xfrm>
           <a:prstGeom prst="rect">
             <a:avLst/>
@@ -9792,7 +9682,7 @@
         </p:spPr>
         <p:txBody>
           <a:bodyPr vert="horz" lIns="182880" tIns="91440">
-            <a:normAutofit/>
+            <a:normAutofit fontScale="47500" lnSpcReduction="20000"/>
           </a:bodyPr>
           <a:lstStyle>
             <a:lvl1pPr marL="265176" indent="-265176" algn="l" rtl="0" eaLnBrk="1" latinLnBrk="0" hangingPunct="1">
@@ -9991,17 +9881,188 @@
             <a:extLst/>
           </a:lstStyle>
           <a:p>
+            <a:pPr>
+              <a:buFont typeface="Arial" charset="0"/>
+              <a:buChar char="•"/>
+            </a:pPr>
+            <a:r>
+              <a:rPr lang="ru-RU" sz="5400" dirty="0"/>
+              <a:t>Функции отделов:</a:t>
+            </a:r>
+            <a:br>
+              <a:rPr lang="ru-RU" sz="5400" dirty="0"/>
+            </a:br>
+            <a:endParaRPr lang="ru-RU" sz="5000" dirty="0"/>
+          </a:p>
+          <a:p>
             <a:pPr marL="0" indent="0">
               <a:buNone/>
             </a:pPr>
             <a:r>
-              <a:rPr lang="ru-RU" dirty="0" smtClean="0"/>
-              <a:t>Функции Кнопок:</a:t>
-            </a:r>
-            <a:endParaRPr lang="ru-RU" dirty="0"/>
+              <a:rPr lang="ru-RU" sz="5000" dirty="0"/>
+              <a:t>    Редактирование:</a:t>
+            </a:r>
+            <a:br>
+              <a:rPr lang="ru-RU" sz="5000" dirty="0"/>
+            </a:br>
+            <a:r>
+              <a:rPr lang="ru-RU" sz="4500" dirty="0">
+                <a:solidFill>
+                  <a:schemeClr val="tx2"/>
+                </a:solidFill>
+              </a:rPr>
+              <a:t>Редактирование номера покупателя</a:t>
+            </a:r>
+            <a:br>
+              <a:rPr lang="ru-RU" sz="4500" dirty="0">
+                <a:solidFill>
+                  <a:schemeClr val="tx2"/>
+                </a:solidFill>
+              </a:rPr>
+            </a:br>
+            <a:r>
+              <a:rPr lang="ru-RU" sz="5000" dirty="0"/>
+              <a:t/>
+            </a:r>
+            <a:br>
+              <a:rPr lang="ru-RU" sz="5000" dirty="0"/>
+            </a:br>
+            <a:r>
+              <a:rPr lang="ru-RU" sz="5000" dirty="0"/>
+              <a:t>	Удаление:</a:t>
+            </a:r>
+            <a:br>
+              <a:rPr lang="ru-RU" sz="5000" dirty="0"/>
+            </a:br>
+            <a:r>
+              <a:rPr lang="ru-RU" sz="4500" dirty="0">
+                <a:solidFill>
+                  <a:schemeClr val="tx2"/>
+                </a:solidFill>
+              </a:rPr>
+              <a:t>Удаление покупателя</a:t>
+            </a:r>
+            <a:r>
+              <a:rPr lang="ru-RU" sz="5000" dirty="0"/>
+              <a:t/>
+            </a:r>
+            <a:br>
+              <a:rPr lang="ru-RU" sz="5000" dirty="0"/>
+            </a:br>
+            <a:r>
+              <a:rPr lang="ru-RU" sz="2500" dirty="0">
+                <a:solidFill>
+                  <a:schemeClr val="tx2"/>
+                </a:solidFill>
+              </a:rPr>
+              <a:t>*Присутствует диалоговое окно подтверждения действий</a:t>
+            </a:r>
+            <a:br>
+              <a:rPr lang="ru-RU" sz="2500" dirty="0">
+                <a:solidFill>
+                  <a:schemeClr val="tx2"/>
+                </a:solidFill>
+              </a:rPr>
+            </a:br>
+            <a:r>
+              <a:rPr lang="ru-RU" sz="5000" dirty="0"/>
+              <a:t/>
+            </a:r>
+            <a:br>
+              <a:rPr lang="ru-RU" sz="5000" dirty="0"/>
+            </a:br>
+            <a:r>
+              <a:rPr lang="ru-RU" sz="5000" dirty="0"/>
+              <a:t>	Добавление:</a:t>
+            </a:r>
+          </a:p>
+          <a:p>
+            <a:pPr marL="0" indent="0">
+              <a:buNone/>
+            </a:pPr>
+            <a:r>
+              <a:rPr lang="ru-RU" sz="4000" dirty="0">
+                <a:solidFill>
+                  <a:schemeClr val="tx2"/>
+                </a:solidFill>
+              </a:rPr>
+              <a:t>Добавляет номер нового покупателя</a:t>
+            </a:r>
+            <a:endParaRPr lang="ru-RU" sz="5000" dirty="0"/>
+          </a:p>
+          <a:p>
+            <a:pPr marL="0" indent="0">
+              <a:buNone/>
+            </a:pPr>
+            <a:r>
+              <a:rPr lang="ru-RU" sz="2500" i="1" dirty="0">
+                <a:solidFill>
+                  <a:schemeClr val="bg1">
+                    <a:lumMod val="50000"/>
+                  </a:schemeClr>
+                </a:solidFill>
+              </a:rPr>
+              <a:t>* Все действия подтверждаются после нажатия их личной кнопки</a:t>
+            </a:r>
+            <a:endParaRPr lang="ru-RU" sz="2500" i="1" dirty="0">
+              <a:solidFill>
+                <a:schemeClr val="bg1">
+                  <a:lumMod val="50000"/>
+                </a:schemeClr>
+              </a:solidFill>
+            </a:endParaRPr>
           </a:p>
         </p:txBody>
       </p:sp>
+      <p:pic>
+        <p:nvPicPr>
+          <p:cNvPr id="2051" name="Picture 3"/>
+          <p:cNvPicPr>
+            <a:picLocks noChangeAspect="1" noChangeArrowheads="1"/>
+          </p:cNvPicPr>
+          <p:nvPr/>
+        </p:nvPicPr>
+        <p:blipFill>
+          <a:blip r:embed="rId2">
+            <a:extLst>
+              <a:ext uri="{28A0092B-C50C-407E-A947-70E740481C1C}">
+                <a14:useLocalDpi xmlns:a14="http://schemas.microsoft.com/office/drawing/2010/main" val="0"/>
+              </a:ext>
+            </a:extLst>
+          </a:blip>
+          <a:srcRect/>
+          <a:stretch>
+            <a:fillRect/>
+          </a:stretch>
+        </p:blipFill>
+        <p:spPr bwMode="auto">
+          <a:xfrm>
+            <a:off x="827584" y="692696"/>
+            <a:ext cx="4257442" cy="2848917"/>
+          </a:xfrm>
+          <a:prstGeom prst="rect">
+            <a:avLst/>
+          </a:prstGeom>
+          <a:noFill/>
+          <a:ln w="9525">
+            <a:solidFill>
+              <a:schemeClr val="tx1"/>
+            </a:solidFill>
+            <a:miter lim="800000"/>
+            <a:headEnd/>
+            <a:tailEnd/>
+          </a:ln>
+          <a:extLst>
+            <a:ext uri="{909E8E84-426E-40DD-AFC4-6F175D3DCCD1}">
+              <a14:hiddenFill xmlns:a14="http://schemas.microsoft.com/office/drawing/2010/main">
+                <a:solidFill>
+                  <a:schemeClr val="accent1"/>
+                </a:solidFill>
+              </a14:hiddenFill>
+            </a:ext>
+          </a:extLst>
+        </p:spPr>
+      </p:pic>
     </p:spTree>
     <p:extLst>
       <p:ext uri="{BB962C8B-B14F-4D97-AF65-F5344CB8AC3E}">
@@ -10062,34 +10123,6 @@
       </p:sp>
       <p:sp>
         <p:nvSpPr>
-          <p:cNvPr id="3" name="Объект 2"/>
-          <p:cNvSpPr>
-            <a:spLocks noGrp="1"/>
-          </p:cNvSpPr>
-          <p:nvPr>
-            <p:ph idx="1"/>
-          </p:nvPr>
-        </p:nvSpPr>
-        <p:spPr>
-          <a:xfrm>
-            <a:off x="502920" y="530352"/>
-            <a:ext cx="4501128" cy="1170456"/>
-          </a:xfrm>
-        </p:spPr>
-        <p:txBody>
-          <a:bodyPr/>
-          <a:lstStyle/>
-          <a:p>
-            <a:r>
-              <a:rPr lang="ru-RU" dirty="0" smtClean="0"/>
-              <a:t>Картинка</a:t>
-            </a:r>
-            <a:endParaRPr lang="ru-RU" dirty="0"/>
-          </a:p>
-        </p:txBody>
-      </p:sp>
-      <p:sp>
-        <p:nvSpPr>
           <p:cNvPr id="4" name="Объект 2"/>
           <p:cNvSpPr txBox="1">
             <a:spLocks/>
@@ -10098,8 +10131,8 @@
         </p:nvSpPr>
         <p:spPr>
           <a:xfrm>
-            <a:off x="539552" y="1988840"/>
-            <a:ext cx="4464496" cy="2880320"/>
+            <a:off x="671857" y="3749077"/>
+            <a:ext cx="4464496" cy="1264099"/>
           </a:xfrm>
           <a:prstGeom prst="rect">
             <a:avLst/>
@@ -10107,7 +10140,7 @@
         </p:spPr>
         <p:txBody>
           <a:bodyPr vert="horz" lIns="182880" tIns="91440">
-            <a:normAutofit/>
+            <a:normAutofit lnSpcReduction="10000"/>
           </a:bodyPr>
           <a:lstStyle>
             <a:lvl1pPr marL="265176" indent="-265176" algn="l" rtl="0" eaLnBrk="1" latinLnBrk="0" hangingPunct="1">
@@ -10307,10 +10340,61 @@
           </a:lstStyle>
           <a:p>
             <a:r>
-              <a:rPr lang="ru-RU" dirty="0" smtClean="0"/>
-              <a:t>Текст описание:</a:t>
-            </a:r>
-            <a:endParaRPr lang="ru-RU" dirty="0"/>
+              <a:rPr lang="ru-RU" sz="2000" dirty="0" smtClean="0"/>
+              <a:t>Текст описание</a:t>
+            </a:r>
+            <a:r>
+              <a:rPr lang="ru-RU" sz="2000" dirty="0" smtClean="0"/>
+              <a:t>:</a:t>
+            </a:r>
+            <a:r>
+              <a:rPr lang="en-US" sz="2000" dirty="0" smtClean="0"/>
+              <a:t/>
+            </a:r>
+            <a:br>
+              <a:rPr lang="en-US" sz="2000" dirty="0" smtClean="0"/>
+            </a:br>
+            <a:r>
+              <a:rPr lang="ru-RU" sz="1800" dirty="0" smtClean="0">
+                <a:solidFill>
+                  <a:schemeClr val="tx2">
+                    <a:lumMod val="90000"/>
+                    <a:lumOff val="10000"/>
+                  </a:schemeClr>
+                </a:solidFill>
+              </a:rPr>
+              <a:t>При нажатие </a:t>
+            </a:r>
+            <a:r>
+              <a:rPr lang="en-US" sz="1800" dirty="0" smtClean="0">
+                <a:solidFill>
+                  <a:schemeClr val="tx2">
+                    <a:lumMod val="90000"/>
+                    <a:lumOff val="10000"/>
+                  </a:schemeClr>
+                </a:solidFill>
+              </a:rPr>
+              <a:t>“…”</a:t>
+            </a:r>
+            <a:r>
+              <a:rPr lang="kk-KZ" sz="1800" dirty="0" smtClean="0">
+                <a:solidFill>
+                  <a:schemeClr val="tx2">
+                    <a:lumMod val="90000"/>
+                    <a:lumOff val="10000"/>
+                  </a:schemeClr>
+                </a:solidFill>
+              </a:rPr>
+              <a:t> в программе появляется окно с работой базой данных Покупателей</a:t>
+            </a:r>
+            <a:endParaRPr lang="ru-RU" sz="1800" dirty="0">
+              <a:solidFill>
+                <a:schemeClr val="tx2">
+                  <a:lumMod val="90000"/>
+                  <a:lumOff val="10000"/>
+                </a:schemeClr>
+              </a:solidFill>
+            </a:endParaRPr>
           </a:p>
         </p:txBody>
       </p:sp>
@@ -10333,7 +10417,7 @@
         </p:spPr>
         <p:txBody>
           <a:bodyPr vert="horz" lIns="182880" tIns="91440">
-            <a:normAutofit/>
+            <a:normAutofit fontScale="55000" lnSpcReduction="20000"/>
           </a:bodyPr>
           <a:lstStyle>
             <a:lvl1pPr marL="265176" indent="-265176" algn="l" rtl="0" eaLnBrk="1" latinLnBrk="0" hangingPunct="1">
@@ -10532,17 +10616,220 @@
             <a:extLst/>
           </a:lstStyle>
           <a:p>
+            <a:pPr>
+              <a:buFont typeface="Arial" charset="0"/>
+              <a:buChar char="•"/>
+            </a:pPr>
+            <a:r>
+              <a:rPr lang="ru-RU" sz="4000" dirty="0"/>
+              <a:t>Функции отделов:</a:t>
+            </a:r>
+            <a:br>
+              <a:rPr lang="ru-RU" sz="4000" dirty="0"/>
+            </a:br>
+            <a:endParaRPr lang="ru-RU" sz="4000" dirty="0"/>
+          </a:p>
+          <a:p>
             <a:pPr marL="0" indent="0">
               <a:buNone/>
             </a:pPr>
             <a:r>
-              <a:rPr lang="ru-RU" dirty="0" smtClean="0"/>
-              <a:t>Функции Кнопок:</a:t>
-            </a:r>
-            <a:endParaRPr lang="ru-RU" dirty="0"/>
+              <a:rPr lang="ru-RU" sz="4000" dirty="0"/>
+              <a:t>    Редактирование:</a:t>
+            </a:r>
+            <a:br>
+              <a:rPr lang="ru-RU" sz="4000" dirty="0"/>
+            </a:br>
+            <a:r>
+              <a:rPr lang="ru-RU" sz="3600" dirty="0">
+                <a:solidFill>
+                  <a:schemeClr val="tx2"/>
+                </a:solidFill>
+              </a:rPr>
+              <a:t>Редактирование </a:t>
+            </a:r>
+            <a:r>
+              <a:rPr lang="ru-RU" sz="3600" dirty="0" smtClean="0">
+                <a:solidFill>
+                  <a:schemeClr val="tx2"/>
+                </a:solidFill>
+              </a:rPr>
+              <a:t>номера покупателя</a:t>
+            </a:r>
+            <a:r>
+              <a:rPr lang="ru-RU" sz="3600" dirty="0">
+                <a:solidFill>
+                  <a:schemeClr val="tx2"/>
+                </a:solidFill>
+              </a:rPr>
+              <a:t/>
+            </a:r>
+            <a:br>
+              <a:rPr lang="ru-RU" sz="3600" dirty="0">
+                <a:solidFill>
+                  <a:schemeClr val="tx2"/>
+                </a:solidFill>
+              </a:rPr>
+            </a:br>
+            <a:r>
+              <a:rPr lang="ru-RU" sz="4000" dirty="0"/>
+              <a:t/>
+            </a:r>
+            <a:br>
+              <a:rPr lang="ru-RU" sz="4000" dirty="0"/>
+            </a:br>
+            <a:r>
+              <a:rPr lang="ru-RU" sz="4000" dirty="0"/>
+              <a:t>	Удаление:</a:t>
+            </a:r>
+            <a:br>
+              <a:rPr lang="ru-RU" sz="4000" dirty="0"/>
+            </a:br>
+            <a:r>
+              <a:rPr lang="ru-RU" sz="3600" dirty="0">
+                <a:solidFill>
+                  <a:schemeClr val="tx2"/>
+                </a:solidFill>
+              </a:rPr>
+              <a:t>Удаление </a:t>
+            </a:r>
+            <a:r>
+              <a:rPr lang="ru-RU" sz="3600" dirty="0" smtClean="0">
+                <a:solidFill>
+                  <a:schemeClr val="tx2"/>
+                </a:solidFill>
+              </a:rPr>
+              <a:t>покупателя</a:t>
+            </a:r>
+            <a:r>
+              <a:rPr lang="ru-RU" sz="4000" dirty="0"/>
+              <a:t/>
+            </a:r>
+            <a:br>
+              <a:rPr lang="ru-RU" sz="4000" dirty="0"/>
+            </a:br>
+            <a:r>
+              <a:rPr lang="ru-RU" dirty="0">
+                <a:solidFill>
+                  <a:schemeClr val="tx2"/>
+                </a:solidFill>
+              </a:rPr>
+              <a:t>*Присутствует диалоговое окно подтверждения действий</a:t>
+            </a:r>
+            <a:br>
+              <a:rPr lang="ru-RU" dirty="0">
+                <a:solidFill>
+                  <a:schemeClr val="tx2"/>
+                </a:solidFill>
+              </a:rPr>
+            </a:br>
+            <a:r>
+              <a:rPr lang="ru-RU" sz="4000" dirty="0"/>
+              <a:t/>
+            </a:r>
+            <a:br>
+              <a:rPr lang="ru-RU" sz="4000" dirty="0"/>
+            </a:br>
+            <a:r>
+              <a:rPr lang="ru-RU" sz="4000" dirty="0"/>
+              <a:t>	Добавление:</a:t>
+            </a:r>
+          </a:p>
+          <a:p>
+            <a:pPr marL="0" indent="0">
+              <a:buNone/>
+            </a:pPr>
+            <a:r>
+              <a:rPr lang="ru-RU" sz="3200" dirty="0">
+                <a:solidFill>
+                  <a:schemeClr val="tx2"/>
+                </a:solidFill>
+              </a:rPr>
+              <a:t>Добавляет </a:t>
+            </a:r>
+            <a:r>
+              <a:rPr lang="ru-RU" sz="3200" dirty="0" smtClean="0">
+                <a:solidFill>
+                  <a:schemeClr val="tx2"/>
+                </a:solidFill>
+              </a:rPr>
+              <a:t>номер нового покупателя</a:t>
+            </a:r>
+            <a:endParaRPr lang="ru-RU" sz="4000" dirty="0"/>
+          </a:p>
+          <a:p>
+            <a:pPr marL="0" indent="0">
+              <a:buNone/>
+            </a:pPr>
+            <a:r>
+              <a:rPr lang="ru-RU" i="1" dirty="0">
+                <a:solidFill>
+                  <a:schemeClr val="bg1">
+                    <a:lumMod val="50000"/>
+                  </a:schemeClr>
+                </a:solidFill>
+              </a:rPr>
+              <a:t>* Все действия подтверждаются после нажатия их личной кнопки</a:t>
+            </a:r>
+            <a:endParaRPr lang="ru-RU" i="1" dirty="0">
+              <a:solidFill>
+                <a:schemeClr val="bg1">
+                  <a:lumMod val="50000"/>
+                </a:schemeClr>
+              </a:solidFill>
+            </a:endParaRPr>
           </a:p>
         </p:txBody>
       </p:sp>
+      <p:pic>
+        <p:nvPicPr>
+          <p:cNvPr id="1026" name="Picture 2"/>
+          <p:cNvPicPr>
+            <a:picLocks noChangeAspect="1" noChangeArrowheads="1"/>
+          </p:cNvPicPr>
+          <p:nvPr/>
+        </p:nvPicPr>
+        <p:blipFill>
+          <a:blip r:embed="rId2">
+            <a:extLst>
+              <a:ext uri="{28A0092B-C50C-407E-A947-70E740481C1C}">
+                <a14:useLocalDpi xmlns:a14="http://schemas.microsoft.com/office/drawing/2010/main" val="0"/>
+              </a:ext>
+            </a:extLst>
+          </a:blip>
+          <a:srcRect/>
+          <a:stretch>
+            <a:fillRect/>
+          </a:stretch>
+        </p:blipFill>
+        <p:spPr bwMode="auto">
+          <a:xfrm>
+            <a:off x="683568" y="502413"/>
+            <a:ext cx="3810744" cy="3211707"/>
+          </a:xfrm>
+          <a:prstGeom prst="rect">
+            <a:avLst/>
+          </a:prstGeom>
+          <a:noFill/>
+          <a:ln w="9525">
+            <a:solidFill>
+              <a:schemeClr val="tx1"/>
+            </a:solidFill>
+            <a:miter lim="800000"/>
+            <a:headEnd/>
+            <a:tailEnd/>
+          </a:ln>
+          <a:extLst>
+            <a:ext uri="{909E8E84-426E-40DD-AFC4-6F175D3DCCD1}">
+              <a14:hiddenFill xmlns:a14="http://schemas.microsoft.com/office/drawing/2010/main">
+                <a:solidFill>
+                  <a:schemeClr val="accent1"/>
+                </a:solidFill>
+              </a14:hiddenFill>
+            </a:ext>
+          </a:extLst>
+        </p:spPr>
+      </p:pic>
     </p:spTree>
     <p:extLst>
       <p:ext uri="{BB962C8B-B14F-4D97-AF65-F5344CB8AC3E}">
@@ -11090,11 +11377,7 @@
             </a:r>
             <a:r>
               <a:rPr lang="ru-RU" sz="2400" dirty="0" smtClean="0"/>
-              <a:t>   </a:t>
-            </a:r>
-            <a:r>
-              <a:rPr lang="ru-RU" sz="2400" dirty="0" smtClean="0"/>
-              <a:t>Редактирование:</a:t>
+              <a:t>   Редактирование:</a:t>
             </a:r>
             <a:br>
               <a:rPr lang="ru-RU" sz="2400" dirty="0" smtClean="0"/>

--- a/README/Презинтация.pptx
+++ b/README/Презинтация.pptx
@@ -201,7 +201,7 @@
           <a:p>
             <a:fld id="{097ECA08-8CC2-41CF-A9D0-F2CEC7BEE2A6}" type="datetimeFigureOut">
               <a:rPr lang="ru-RU" smtClean="0"/>
-              <a:t>08.01.2022</a:t>
+              <a:t>11.01.2022</a:t>
             </a:fld>
             <a:endParaRPr lang="ru-RU"/>
           </a:p>
@@ -859,7 +859,7 @@
           <a:p>
             <a:fld id="{B4C71EC6-210F-42DE-9C53-41977AD35B3D}" type="datetimeFigureOut">
               <a:rPr lang="ru-RU" smtClean="0"/>
-              <a:t>08.01.2022</a:t>
+              <a:t>11.01.2022</a:t>
             </a:fld>
             <a:endParaRPr lang="ru-RU"/>
           </a:p>
@@ -1044,7 +1044,7 @@
           <a:p>
             <a:fld id="{B4C71EC6-210F-42DE-9C53-41977AD35B3D}" type="datetimeFigureOut">
               <a:rPr lang="ru-RU" smtClean="0"/>
-              <a:t>08.01.2022</a:t>
+              <a:t>11.01.2022</a:t>
             </a:fld>
             <a:endParaRPr lang="ru-RU"/>
           </a:p>
@@ -1229,7 +1229,7 @@
           <a:p>
             <a:fld id="{B4C71EC6-210F-42DE-9C53-41977AD35B3D}" type="datetimeFigureOut">
               <a:rPr lang="ru-RU" smtClean="0"/>
-              <a:t>08.01.2022</a:t>
+              <a:t>11.01.2022</a:t>
             </a:fld>
             <a:endParaRPr lang="ru-RU"/>
           </a:p>
@@ -1414,7 +1414,7 @@
           <a:p>
             <a:fld id="{B4C71EC6-210F-42DE-9C53-41977AD35B3D}" type="datetimeFigureOut">
               <a:rPr lang="ru-RU" smtClean="0"/>
-              <a:t>08.01.2022</a:t>
+              <a:t>11.01.2022</a:t>
             </a:fld>
             <a:endParaRPr lang="ru-RU"/>
           </a:p>
@@ -1795,7 +1795,7 @@
           <a:p>
             <a:fld id="{B4C71EC6-210F-42DE-9C53-41977AD35B3D}" type="datetimeFigureOut">
               <a:rPr lang="ru-RU" smtClean="0"/>
-              <a:t>08.01.2022</a:t>
+              <a:t>11.01.2022</a:t>
             </a:fld>
             <a:endParaRPr lang="ru-RU"/>
           </a:p>
@@ -2064,7 +2064,7 @@
           <a:p>
             <a:fld id="{B4C71EC6-210F-42DE-9C53-41977AD35B3D}" type="datetimeFigureOut">
               <a:rPr lang="ru-RU" smtClean="0"/>
-              <a:t>08.01.2022</a:t>
+              <a:t>11.01.2022</a:t>
             </a:fld>
             <a:endParaRPr lang="ru-RU"/>
           </a:p>
@@ -2449,7 +2449,7 @@
           <a:p>
             <a:fld id="{B4C71EC6-210F-42DE-9C53-41977AD35B3D}" type="datetimeFigureOut">
               <a:rPr lang="ru-RU" smtClean="0"/>
-              <a:t>08.01.2022</a:t>
+              <a:t>11.01.2022</a:t>
             </a:fld>
             <a:endParaRPr lang="ru-RU"/>
           </a:p>
@@ -2570,7 +2570,7 @@
           <a:p>
             <a:fld id="{B4C71EC6-210F-42DE-9C53-41977AD35B3D}" type="datetimeFigureOut">
               <a:rPr lang="ru-RU" smtClean="0"/>
-              <a:t>08.01.2022</a:t>
+              <a:t>11.01.2022</a:t>
             </a:fld>
             <a:endParaRPr lang="ru-RU"/>
           </a:p>
@@ -2750,7 +2750,7 @@
           <a:p>
             <a:fld id="{B4C71EC6-210F-42DE-9C53-41977AD35B3D}" type="datetimeFigureOut">
               <a:rPr lang="ru-RU" smtClean="0"/>
-              <a:t>08.01.2022</a:t>
+              <a:t>11.01.2022</a:t>
             </a:fld>
             <a:endParaRPr lang="ru-RU"/>
           </a:p>
@@ -3084,7 +3084,7 @@
           <a:p>
             <a:fld id="{B4C71EC6-210F-42DE-9C53-41977AD35B3D}" type="datetimeFigureOut">
               <a:rPr lang="ru-RU" smtClean="0"/>
-              <a:t>08.01.2022</a:t>
+              <a:t>11.01.2022</a:t>
             </a:fld>
             <a:endParaRPr lang="ru-RU"/>
           </a:p>
@@ -3453,7 +3453,7 @@
           <a:p>
             <a:fld id="{B4C71EC6-210F-42DE-9C53-41977AD35B3D}" type="datetimeFigureOut">
               <a:rPr lang="ru-RU" smtClean="0"/>
-              <a:t>08.01.2022</a:t>
+              <a:t>11.01.2022</a:t>
             </a:fld>
             <a:endParaRPr lang="ru-RU"/>
           </a:p>
@@ -3871,7 +3871,7 @@
           <a:p>
             <a:fld id="{B4C71EC6-210F-42DE-9C53-41977AD35B3D}" type="datetimeFigureOut">
               <a:rPr lang="ru-RU" smtClean="0"/>
-              <a:t>08.01.2022</a:t>
+              <a:t>11.01.2022</a:t>
             </a:fld>
             <a:endParaRPr lang="ru-RU"/>
           </a:p>
@@ -4344,36 +4344,6 @@
       </p:sp>
       <p:sp>
         <p:nvSpPr>
-          <p:cNvPr id="3" name="Подзаголовок 2"/>
-          <p:cNvSpPr>
-            <a:spLocks noGrp="1"/>
-          </p:cNvSpPr>
-          <p:nvPr>
-            <p:ph type="subTitle" idx="1"/>
-          </p:nvPr>
-        </p:nvSpPr>
-        <p:spPr>
-          <a:xfrm>
-            <a:off x="683568" y="5085184"/>
-            <a:ext cx="7772400" cy="914400"/>
-          </a:xfrm>
-        </p:spPr>
-        <p:txBody>
-          <a:bodyPr>
-            <a:normAutofit lnSpcReduction="10000"/>
-          </a:bodyPr>
-          <a:lstStyle/>
-          <a:p>
-            <a:r>
-              <a:rPr lang="ru-RU" dirty="0" smtClean="0"/>
-              <a:t>Не большое описание + сказать для чего мой проект создан, сказать в слух ТЗ и Описание проекта чтобы позже описать их и то что я это выполнил</a:t>
-            </a:r>
-            <a:endParaRPr lang="ru-RU" dirty="0"/>
-          </a:p>
-        </p:txBody>
-      </p:sp>
-      <p:sp>
-        <p:nvSpPr>
           <p:cNvPr id="5" name="Подзаголовок 2"/>
           <p:cNvSpPr txBox="1">
             <a:spLocks/>
@@ -9362,15 +9332,7 @@
           <a:p>
             <a:r>
               <a:rPr lang="ru-RU" dirty="0" smtClean="0"/>
-              <a:t>Работа с </a:t>
-            </a:r>
-            <a:r>
-              <a:rPr lang="ru-RU" dirty="0" smtClean="0"/>
-              <a:t>продавцами:</a:t>
-            </a:r>
-            <a:r>
-              <a:rPr lang="ru-RU" dirty="0" smtClean="0"/>
-              <a:t/>
+              <a:t>Работа с продавцами:</a:t>
             </a:r>
             <a:br>
               <a:rPr lang="ru-RU" dirty="0" smtClean="0"/>
@@ -9599,11 +9561,7 @@
           <a:p>
             <a:r>
               <a:rPr lang="ru-RU" sz="2000" dirty="0" smtClean="0"/>
-              <a:t>Текст описание</a:t>
-            </a:r>
-            <a:r>
-              <a:rPr lang="ru-RU" sz="2000" dirty="0" smtClean="0"/>
-              <a:t>:</a:t>
+              <a:t>Текст описание:</a:t>
             </a:r>
             <a:br>
               <a:rPr lang="ru-RU" sz="2000" dirty="0" smtClean="0"/>
@@ -10004,13 +9962,6 @@
               </a:rPr>
               <a:t>* Все действия подтверждаются после нажатия их личной кнопки</a:t>
             </a:r>
-            <a:endParaRPr lang="ru-RU" sz="2500" i="1" dirty="0">
-              <a:solidFill>
-                <a:schemeClr val="bg1">
-                  <a:lumMod val="50000"/>
-                </a:schemeClr>
-              </a:solidFill>
-            </a:endParaRPr>
           </a:p>
         </p:txBody>
       </p:sp>
@@ -10341,11 +10292,7 @@
           <a:p>
             <a:r>
               <a:rPr lang="ru-RU" sz="2000" dirty="0" smtClean="0"/>
-              <a:t>Текст описание</a:t>
-            </a:r>
-            <a:r>
-              <a:rPr lang="ru-RU" sz="2000" dirty="0" smtClean="0"/>
-              <a:t>:</a:t>
+              <a:t>Текст описание:</a:t>
             </a:r>
             <a:r>
               <a:rPr lang="en-US" sz="2000" dirty="0" smtClean="0"/>
@@ -10771,13 +10718,6 @@
               </a:rPr>
               <a:t>* Все действия подтверждаются после нажатия их личной кнопки</a:t>
             </a:r>
-            <a:endParaRPr lang="ru-RU" i="1" dirty="0">
-              <a:solidFill>
-                <a:schemeClr val="bg1">
-                  <a:lumMod val="50000"/>
-                </a:schemeClr>
-              </a:solidFill>
-            </a:endParaRPr>
           </a:p>
         </p:txBody>
       </p:sp>
